--- a/COMSC-165/PandemicLite/Advance Programming With C++ Final Project.pptx
+++ b/COMSC-165/PandemicLite/Advance Programming With C++ Final Project.pptx
@@ -5806,14 +5806,16 @@
         </p:nvSpPr>
         <p:spPr/>
         <p:txBody>
-          <a:bodyPr/>
-          <a:lstStyle/>
-          <a:p>
-            <a:r>
-              <a:rPr lang="en-US" dirty="0" smtClean="0"/>
+          <a:bodyPr>
+            <a:normAutofit/>
+          </a:bodyPr>
+          <a:lstStyle/>
+          <a:p>
+            <a:r>
+              <a:rPr lang="en-US" sz="3200" dirty="0" smtClean="0"/>
               <a:t>By Aric Adiego</a:t>
             </a:r>
-            <a:endParaRPr lang="en-US" dirty="0"/>
+            <a:endParaRPr lang="en-US" sz="3200" dirty="0"/>
           </a:p>
         </p:txBody>
       </p:sp>
@@ -5864,18 +5866,16 @@
           </a:xfrm>
         </p:spPr>
         <p:txBody>
-          <a:bodyPr/>
+          <a:bodyPr>
+            <a:normAutofit/>
+          </a:bodyPr>
           <a:lstStyle/>
           <a:p>
             <a:r>
               <a:rPr lang="en-US" sz="4000" dirty="0" smtClean="0"/>
-              <a:t>Project</a:t>
-            </a:r>
-            <a:r>
-              <a:rPr lang="en-US" dirty="0" smtClean="0"/>
-              <a:t> overview</a:t>
-            </a:r>
-            <a:endParaRPr lang="en-US" dirty="0"/>
+              <a:t>Pandemic Project overview</a:t>
+            </a:r>
+            <a:endParaRPr lang="en-US" sz="4000" dirty="0"/>
           </a:p>
         </p:txBody>
       </p:sp>
